--- a/ldap/Openldap presentation.pptx
+++ b/ldap/Openldap presentation.pptx
@@ -165,10 +165,9 @@
           </a:lstStyle>
           <a:p>
             <a:r>
-              <a:rPr lang="en-US" smtClean="0"/>
+              <a:rPr lang="en-US"/>
               <a:t>Click to edit Master title style</a:t>
             </a:r>
-            <a:endParaRPr lang="en-US"/>
           </a:p>
         </p:txBody>
       </p:sp>
@@ -230,10 +229,9 @@
           </a:lstStyle>
           <a:p>
             <a:r>
-              <a:rPr lang="en-US" smtClean="0"/>
+              <a:rPr lang="en-US"/>
               <a:t>Click to edit Master subtitle style</a:t>
             </a:r>
-            <a:endParaRPr lang="en-US"/>
           </a:p>
         </p:txBody>
       </p:sp>
@@ -254,7 +252,7 @@
           <a:p>
             <a:fld id="{C4D4FFA4-1829-4816-BC88-61A37B1AB521}" type="datetimeFigureOut">
               <a:rPr lang="en-US" smtClean="0"/>
-              <a:t>30-May-16</a:t>
+              <a:t>6/10/19</a:t>
             </a:fld>
             <a:endParaRPr lang="en-US"/>
           </a:p>
@@ -348,10 +346,9 @@
           <a:lstStyle/>
           <a:p>
             <a:r>
-              <a:rPr lang="en-US" smtClean="0"/>
+              <a:rPr lang="en-US"/>
               <a:t>Click to edit Master title style</a:t>
             </a:r>
-            <a:endParaRPr lang="en-US"/>
           </a:p>
         </p:txBody>
       </p:sp>
@@ -372,38 +369,37 @@
           <a:p>
             <a:pPr lvl="0"/>
             <a:r>
-              <a:rPr lang="en-US" smtClean="0"/>
+              <a:rPr lang="en-US"/>
               <a:t>Click to edit Master text styles</a:t>
             </a:r>
           </a:p>
           <a:p>
             <a:pPr lvl="1"/>
             <a:r>
-              <a:rPr lang="en-US" smtClean="0"/>
+              <a:rPr lang="en-US"/>
               <a:t>Second level</a:t>
             </a:r>
           </a:p>
           <a:p>
             <a:pPr lvl="2"/>
             <a:r>
-              <a:rPr lang="en-US" smtClean="0"/>
+              <a:rPr lang="en-US"/>
               <a:t>Third level</a:t>
             </a:r>
           </a:p>
           <a:p>
             <a:pPr lvl="3"/>
             <a:r>
-              <a:rPr lang="en-US" smtClean="0"/>
+              <a:rPr lang="en-US"/>
               <a:t>Fourth level</a:t>
             </a:r>
           </a:p>
           <a:p>
             <a:pPr lvl="4"/>
             <a:r>
-              <a:rPr lang="en-US" smtClean="0"/>
+              <a:rPr lang="en-US"/>
               <a:t>Fifth level</a:t>
             </a:r>
-            <a:endParaRPr lang="en-US"/>
           </a:p>
         </p:txBody>
       </p:sp>
@@ -424,7 +420,7 @@
           <a:p>
             <a:fld id="{C4D4FFA4-1829-4816-BC88-61A37B1AB521}" type="datetimeFigureOut">
               <a:rPr lang="en-US" smtClean="0"/>
-              <a:t>30-May-16</a:t>
+              <a:t>6/10/19</a:t>
             </a:fld>
             <a:endParaRPr lang="en-US"/>
           </a:p>
@@ -523,10 +519,9 @@
           <a:lstStyle/>
           <a:p>
             <a:r>
-              <a:rPr lang="en-US" smtClean="0"/>
+              <a:rPr lang="en-US"/>
               <a:t>Click to edit Master title style</a:t>
             </a:r>
-            <a:endParaRPr lang="en-US"/>
           </a:p>
         </p:txBody>
       </p:sp>
@@ -552,38 +547,37 @@
           <a:p>
             <a:pPr lvl="0"/>
             <a:r>
-              <a:rPr lang="en-US" smtClean="0"/>
+              <a:rPr lang="en-US"/>
               <a:t>Click to edit Master text styles</a:t>
             </a:r>
           </a:p>
           <a:p>
             <a:pPr lvl="1"/>
             <a:r>
-              <a:rPr lang="en-US" smtClean="0"/>
+              <a:rPr lang="en-US"/>
               <a:t>Second level</a:t>
             </a:r>
           </a:p>
           <a:p>
             <a:pPr lvl="2"/>
             <a:r>
-              <a:rPr lang="en-US" smtClean="0"/>
+              <a:rPr lang="en-US"/>
               <a:t>Third level</a:t>
             </a:r>
           </a:p>
           <a:p>
             <a:pPr lvl="3"/>
             <a:r>
-              <a:rPr lang="en-US" smtClean="0"/>
+              <a:rPr lang="en-US"/>
               <a:t>Fourth level</a:t>
             </a:r>
           </a:p>
           <a:p>
             <a:pPr lvl="4"/>
             <a:r>
-              <a:rPr lang="en-US" smtClean="0"/>
+              <a:rPr lang="en-US"/>
               <a:t>Fifth level</a:t>
             </a:r>
-            <a:endParaRPr lang="en-US"/>
           </a:p>
         </p:txBody>
       </p:sp>
@@ -604,7 +598,7 @@
           <a:p>
             <a:fld id="{C4D4FFA4-1829-4816-BC88-61A37B1AB521}" type="datetimeFigureOut">
               <a:rPr lang="en-US" smtClean="0"/>
-              <a:t>30-May-16</a:t>
+              <a:t>6/10/19</a:t>
             </a:fld>
             <a:endParaRPr lang="en-US"/>
           </a:p>
@@ -698,10 +692,9 @@
           <a:lstStyle/>
           <a:p>
             <a:r>
-              <a:rPr lang="en-US" smtClean="0"/>
+              <a:rPr lang="en-US"/>
               <a:t>Click to edit Master title style</a:t>
             </a:r>
-            <a:endParaRPr lang="en-US"/>
           </a:p>
         </p:txBody>
       </p:sp>
@@ -722,38 +715,37 @@
           <a:p>
             <a:pPr lvl="0"/>
             <a:r>
-              <a:rPr lang="en-US" smtClean="0"/>
+              <a:rPr lang="en-US"/>
               <a:t>Click to edit Master text styles</a:t>
             </a:r>
           </a:p>
           <a:p>
             <a:pPr lvl="1"/>
             <a:r>
-              <a:rPr lang="en-US" smtClean="0"/>
+              <a:rPr lang="en-US"/>
               <a:t>Second level</a:t>
             </a:r>
           </a:p>
           <a:p>
             <a:pPr lvl="2"/>
             <a:r>
-              <a:rPr lang="en-US" smtClean="0"/>
+              <a:rPr lang="en-US"/>
               <a:t>Third level</a:t>
             </a:r>
           </a:p>
           <a:p>
             <a:pPr lvl="3"/>
             <a:r>
-              <a:rPr lang="en-US" smtClean="0"/>
+              <a:rPr lang="en-US"/>
               <a:t>Fourth level</a:t>
             </a:r>
           </a:p>
           <a:p>
             <a:pPr lvl="4"/>
             <a:r>
-              <a:rPr lang="en-US" smtClean="0"/>
+              <a:rPr lang="en-US"/>
               <a:t>Fifth level</a:t>
             </a:r>
-            <a:endParaRPr lang="en-US"/>
           </a:p>
         </p:txBody>
       </p:sp>
@@ -774,7 +766,7 @@
           <a:p>
             <a:fld id="{C4D4FFA4-1829-4816-BC88-61A37B1AB521}" type="datetimeFigureOut">
               <a:rPr lang="en-US" smtClean="0"/>
-              <a:t>30-May-16</a:t>
+              <a:t>6/10/19</a:t>
             </a:fld>
             <a:endParaRPr lang="en-US"/>
           </a:p>
@@ -877,10 +869,9 @@
           </a:lstStyle>
           <a:p>
             <a:r>
-              <a:rPr lang="en-US" smtClean="0"/>
+              <a:rPr lang="en-US"/>
               <a:t>Click to edit Master title style</a:t>
             </a:r>
-            <a:endParaRPr lang="en-US"/>
           </a:p>
         </p:txBody>
       </p:sp>
@@ -997,7 +988,7 @@
           <a:p>
             <a:pPr lvl="0"/>
             <a:r>
-              <a:rPr lang="en-US" smtClean="0"/>
+              <a:rPr lang="en-US"/>
               <a:t>Click to edit Master text styles</a:t>
             </a:r>
           </a:p>
@@ -1020,7 +1011,7 @@
           <a:p>
             <a:fld id="{C4D4FFA4-1829-4816-BC88-61A37B1AB521}" type="datetimeFigureOut">
               <a:rPr lang="en-US" smtClean="0"/>
-              <a:t>30-May-16</a:t>
+              <a:t>6/10/19</a:t>
             </a:fld>
             <a:endParaRPr lang="en-US"/>
           </a:p>
@@ -1114,10 +1105,9 @@
           <a:lstStyle/>
           <a:p>
             <a:r>
-              <a:rPr lang="en-US" smtClean="0"/>
+              <a:rPr lang="en-US"/>
               <a:t>Click to edit Master title style</a:t>
             </a:r>
-            <a:endParaRPr lang="en-US"/>
           </a:p>
         </p:txBody>
       </p:sp>
@@ -1143,38 +1133,37 @@
           <a:p>
             <a:pPr lvl="0"/>
             <a:r>
-              <a:rPr lang="en-US" smtClean="0"/>
+              <a:rPr lang="en-US"/>
               <a:t>Click to edit Master text styles</a:t>
             </a:r>
           </a:p>
           <a:p>
             <a:pPr lvl="1"/>
             <a:r>
-              <a:rPr lang="en-US" smtClean="0"/>
+              <a:rPr lang="en-US"/>
               <a:t>Second level</a:t>
             </a:r>
           </a:p>
           <a:p>
             <a:pPr lvl="2"/>
             <a:r>
-              <a:rPr lang="en-US" smtClean="0"/>
+              <a:rPr lang="en-US"/>
               <a:t>Third level</a:t>
             </a:r>
           </a:p>
           <a:p>
             <a:pPr lvl="3"/>
             <a:r>
-              <a:rPr lang="en-US" smtClean="0"/>
+              <a:rPr lang="en-US"/>
               <a:t>Fourth level</a:t>
             </a:r>
           </a:p>
           <a:p>
             <a:pPr lvl="4"/>
             <a:r>
-              <a:rPr lang="en-US" smtClean="0"/>
+              <a:rPr lang="en-US"/>
               <a:t>Fifth level</a:t>
             </a:r>
-            <a:endParaRPr lang="en-US"/>
           </a:p>
         </p:txBody>
       </p:sp>
@@ -1200,38 +1189,37 @@
           <a:p>
             <a:pPr lvl="0"/>
             <a:r>
-              <a:rPr lang="en-US" smtClean="0"/>
+              <a:rPr lang="en-US"/>
               <a:t>Click to edit Master text styles</a:t>
             </a:r>
           </a:p>
           <a:p>
             <a:pPr lvl="1"/>
             <a:r>
-              <a:rPr lang="en-US" smtClean="0"/>
+              <a:rPr lang="en-US"/>
               <a:t>Second level</a:t>
             </a:r>
           </a:p>
           <a:p>
             <a:pPr lvl="2"/>
             <a:r>
-              <a:rPr lang="en-US" smtClean="0"/>
+              <a:rPr lang="en-US"/>
               <a:t>Third level</a:t>
             </a:r>
           </a:p>
           <a:p>
             <a:pPr lvl="3"/>
             <a:r>
-              <a:rPr lang="en-US" smtClean="0"/>
+              <a:rPr lang="en-US"/>
               <a:t>Fourth level</a:t>
             </a:r>
           </a:p>
           <a:p>
             <a:pPr lvl="4"/>
             <a:r>
-              <a:rPr lang="en-US" smtClean="0"/>
+              <a:rPr lang="en-US"/>
               <a:t>Fifth level</a:t>
             </a:r>
-            <a:endParaRPr lang="en-US"/>
           </a:p>
         </p:txBody>
       </p:sp>
@@ -1252,7 +1240,7 @@
           <a:p>
             <a:fld id="{C4D4FFA4-1829-4816-BC88-61A37B1AB521}" type="datetimeFigureOut">
               <a:rPr lang="en-US" smtClean="0"/>
-              <a:t>30-May-16</a:t>
+              <a:t>6/10/19</a:t>
             </a:fld>
             <a:endParaRPr lang="en-US"/>
           </a:p>
@@ -1351,10 +1339,9 @@
           <a:lstStyle/>
           <a:p>
             <a:r>
-              <a:rPr lang="en-US" smtClean="0"/>
+              <a:rPr lang="en-US"/>
               <a:t>Click to edit Master title style</a:t>
             </a:r>
-            <a:endParaRPr lang="en-US"/>
           </a:p>
         </p:txBody>
       </p:sp>
@@ -1417,7 +1404,7 @@
           <a:p>
             <a:pPr lvl="0"/>
             <a:r>
-              <a:rPr lang="en-US" smtClean="0"/>
+              <a:rPr lang="en-US"/>
               <a:t>Click to edit Master text styles</a:t>
             </a:r>
           </a:p>
@@ -1445,38 +1432,37 @@
           <a:p>
             <a:pPr lvl="0"/>
             <a:r>
-              <a:rPr lang="en-US" smtClean="0"/>
+              <a:rPr lang="en-US"/>
               <a:t>Click to edit Master text styles</a:t>
             </a:r>
           </a:p>
           <a:p>
             <a:pPr lvl="1"/>
             <a:r>
-              <a:rPr lang="en-US" smtClean="0"/>
+              <a:rPr lang="en-US"/>
               <a:t>Second level</a:t>
             </a:r>
           </a:p>
           <a:p>
             <a:pPr lvl="2"/>
             <a:r>
-              <a:rPr lang="en-US" smtClean="0"/>
+              <a:rPr lang="en-US"/>
               <a:t>Third level</a:t>
             </a:r>
           </a:p>
           <a:p>
             <a:pPr lvl="3"/>
             <a:r>
-              <a:rPr lang="en-US" smtClean="0"/>
+              <a:rPr lang="en-US"/>
               <a:t>Fourth level</a:t>
             </a:r>
           </a:p>
           <a:p>
             <a:pPr lvl="4"/>
             <a:r>
-              <a:rPr lang="en-US" smtClean="0"/>
+              <a:rPr lang="en-US"/>
               <a:t>Fifth level</a:t>
             </a:r>
-            <a:endParaRPr lang="en-US"/>
           </a:p>
         </p:txBody>
       </p:sp>
@@ -1539,7 +1525,7 @@
           <a:p>
             <a:pPr lvl="0"/>
             <a:r>
-              <a:rPr lang="en-US" smtClean="0"/>
+              <a:rPr lang="en-US"/>
               <a:t>Click to edit Master text styles</a:t>
             </a:r>
           </a:p>
@@ -1567,38 +1553,37 @@
           <a:p>
             <a:pPr lvl="0"/>
             <a:r>
-              <a:rPr lang="en-US" smtClean="0"/>
+              <a:rPr lang="en-US"/>
               <a:t>Click to edit Master text styles</a:t>
             </a:r>
           </a:p>
           <a:p>
             <a:pPr lvl="1"/>
             <a:r>
-              <a:rPr lang="en-US" smtClean="0"/>
+              <a:rPr lang="en-US"/>
               <a:t>Second level</a:t>
             </a:r>
           </a:p>
           <a:p>
             <a:pPr lvl="2"/>
             <a:r>
-              <a:rPr lang="en-US" smtClean="0"/>
+              <a:rPr lang="en-US"/>
               <a:t>Third level</a:t>
             </a:r>
           </a:p>
           <a:p>
             <a:pPr lvl="3"/>
             <a:r>
-              <a:rPr lang="en-US" smtClean="0"/>
+              <a:rPr lang="en-US"/>
               <a:t>Fourth level</a:t>
             </a:r>
           </a:p>
           <a:p>
             <a:pPr lvl="4"/>
             <a:r>
-              <a:rPr lang="en-US" smtClean="0"/>
+              <a:rPr lang="en-US"/>
               <a:t>Fifth level</a:t>
             </a:r>
-            <a:endParaRPr lang="en-US"/>
           </a:p>
         </p:txBody>
       </p:sp>
@@ -1619,7 +1604,7 @@
           <a:p>
             <a:fld id="{C4D4FFA4-1829-4816-BC88-61A37B1AB521}" type="datetimeFigureOut">
               <a:rPr lang="en-US" smtClean="0"/>
-              <a:t>30-May-16</a:t>
+              <a:t>6/10/19</a:t>
             </a:fld>
             <a:endParaRPr lang="en-US"/>
           </a:p>
@@ -1713,10 +1698,9 @@
           <a:lstStyle/>
           <a:p>
             <a:r>
-              <a:rPr lang="en-US" smtClean="0"/>
+              <a:rPr lang="en-US"/>
               <a:t>Click to edit Master title style</a:t>
             </a:r>
-            <a:endParaRPr lang="en-US"/>
           </a:p>
         </p:txBody>
       </p:sp>
@@ -1737,7 +1721,7 @@
           <a:p>
             <a:fld id="{C4D4FFA4-1829-4816-BC88-61A37B1AB521}" type="datetimeFigureOut">
               <a:rPr lang="en-US" smtClean="0"/>
-              <a:t>30-May-16</a:t>
+              <a:t>6/10/19</a:t>
             </a:fld>
             <a:endParaRPr lang="en-US"/>
           </a:p>
@@ -1832,7 +1816,7 @@
           <a:p>
             <a:fld id="{C4D4FFA4-1829-4816-BC88-61A37B1AB521}" type="datetimeFigureOut">
               <a:rPr lang="en-US" smtClean="0"/>
-              <a:t>30-May-16</a:t>
+              <a:t>6/10/19</a:t>
             </a:fld>
             <a:endParaRPr lang="en-US"/>
           </a:p>
@@ -1935,10 +1919,9 @@
           </a:lstStyle>
           <a:p>
             <a:r>
-              <a:rPr lang="en-US" smtClean="0"/>
+              <a:rPr lang="en-US"/>
               <a:t>Click to edit Master title style</a:t>
             </a:r>
-            <a:endParaRPr lang="en-US"/>
           </a:p>
         </p:txBody>
       </p:sp>
@@ -1992,38 +1975,37 @@
           <a:p>
             <a:pPr lvl="0"/>
             <a:r>
-              <a:rPr lang="en-US" smtClean="0"/>
+              <a:rPr lang="en-US"/>
               <a:t>Click to edit Master text styles</a:t>
             </a:r>
           </a:p>
           <a:p>
             <a:pPr lvl="1"/>
             <a:r>
-              <a:rPr lang="en-US" smtClean="0"/>
+              <a:rPr lang="en-US"/>
               <a:t>Second level</a:t>
             </a:r>
           </a:p>
           <a:p>
             <a:pPr lvl="2"/>
             <a:r>
-              <a:rPr lang="en-US" smtClean="0"/>
+              <a:rPr lang="en-US"/>
               <a:t>Third level</a:t>
             </a:r>
           </a:p>
           <a:p>
             <a:pPr lvl="3"/>
             <a:r>
-              <a:rPr lang="en-US" smtClean="0"/>
+              <a:rPr lang="en-US"/>
               <a:t>Fourth level</a:t>
             </a:r>
           </a:p>
           <a:p>
             <a:pPr lvl="4"/>
             <a:r>
-              <a:rPr lang="en-US" smtClean="0"/>
+              <a:rPr lang="en-US"/>
               <a:t>Fifth level</a:t>
             </a:r>
-            <a:endParaRPr lang="en-US"/>
           </a:p>
         </p:txBody>
       </p:sp>
@@ -2086,7 +2068,7 @@
           <a:p>
             <a:pPr lvl="0"/>
             <a:r>
-              <a:rPr lang="en-US" smtClean="0"/>
+              <a:rPr lang="en-US"/>
               <a:t>Click to edit Master text styles</a:t>
             </a:r>
           </a:p>
@@ -2109,7 +2091,7 @@
           <a:p>
             <a:fld id="{C4D4FFA4-1829-4816-BC88-61A37B1AB521}" type="datetimeFigureOut">
               <a:rPr lang="en-US" smtClean="0"/>
-              <a:t>30-May-16</a:t>
+              <a:t>6/10/19</a:t>
             </a:fld>
             <a:endParaRPr lang="en-US"/>
           </a:p>
@@ -2212,10 +2194,9 @@
           </a:lstStyle>
           <a:p>
             <a:r>
-              <a:rPr lang="en-US" smtClean="0"/>
+              <a:rPr lang="en-US"/>
               <a:t>Click to edit Master title style</a:t>
             </a:r>
-            <a:endParaRPr lang="en-US"/>
           </a:p>
         </p:txBody>
       </p:sp>
@@ -2339,7 +2320,7 @@
           <a:p>
             <a:pPr lvl="0"/>
             <a:r>
-              <a:rPr lang="en-US" smtClean="0"/>
+              <a:rPr lang="en-US"/>
               <a:t>Click to edit Master text styles</a:t>
             </a:r>
           </a:p>
@@ -2362,7 +2343,7 @@
           <a:p>
             <a:fld id="{C4D4FFA4-1829-4816-BC88-61A37B1AB521}" type="datetimeFigureOut">
               <a:rPr lang="en-US" smtClean="0"/>
-              <a:t>30-May-16</a:t>
+              <a:t>6/10/19</a:t>
             </a:fld>
             <a:endParaRPr lang="en-US"/>
           </a:p>
@@ -2471,10 +2452,9 @@
           <a:lstStyle/>
           <a:p>
             <a:r>
-              <a:rPr lang="en-US" smtClean="0"/>
+              <a:rPr lang="en-US"/>
               <a:t>Click to edit Master title style</a:t>
             </a:r>
-            <a:endParaRPr lang="en-US"/>
           </a:p>
         </p:txBody>
       </p:sp>
@@ -2505,38 +2485,37 @@
           <a:p>
             <a:pPr lvl="0"/>
             <a:r>
-              <a:rPr lang="en-US" smtClean="0"/>
+              <a:rPr lang="en-US"/>
               <a:t>Click to edit Master text styles</a:t>
             </a:r>
           </a:p>
           <a:p>
             <a:pPr lvl="1"/>
             <a:r>
-              <a:rPr lang="en-US" smtClean="0"/>
+              <a:rPr lang="en-US"/>
               <a:t>Second level</a:t>
             </a:r>
           </a:p>
           <a:p>
             <a:pPr lvl="2"/>
             <a:r>
-              <a:rPr lang="en-US" smtClean="0"/>
+              <a:rPr lang="en-US"/>
               <a:t>Third level</a:t>
             </a:r>
           </a:p>
           <a:p>
             <a:pPr lvl="3"/>
             <a:r>
-              <a:rPr lang="en-US" smtClean="0"/>
+              <a:rPr lang="en-US"/>
               <a:t>Fourth level</a:t>
             </a:r>
           </a:p>
           <a:p>
             <a:pPr lvl="4"/>
             <a:r>
-              <a:rPr lang="en-US" smtClean="0"/>
+              <a:rPr lang="en-US"/>
               <a:t>Fifth level</a:t>
             </a:r>
-            <a:endParaRPr lang="en-US"/>
           </a:p>
         </p:txBody>
       </p:sp>
@@ -2575,7 +2554,7 @@
           <a:p>
             <a:fld id="{C4D4FFA4-1829-4816-BC88-61A37B1AB521}" type="datetimeFigureOut">
               <a:rPr lang="en-US" smtClean="0"/>
-              <a:t>30-May-16</a:t>
+              <a:t>6/10/19</a:t>
             </a:fld>
             <a:endParaRPr lang="en-US"/>
           </a:p>
@@ -2996,8 +2975,19 @@
           <a:lstStyle/>
           <a:p>
             <a:r>
-              <a:rPr lang="en-US" dirty="0" smtClean="0"/>
-              <a:t>Introduction to LDAP</a:t>
+              <a:rPr lang="en-US" dirty="0"/>
+              <a:t>Introduction </a:t>
+            </a:r>
+            <a:r>
+              <a:rPr lang="en-US"/>
+              <a:t>to LDAP</a:t>
+            </a:r>
+            <a:br>
+              <a:rPr lang="en-US"/>
+            </a:br>
+            <a:r>
+              <a:rPr lang="en-US"/>
+              <a:t>2018</a:t>
             </a:r>
             <a:endParaRPr lang="en-US" dirty="0"/>
           </a:p>
@@ -3018,15 +3008,15 @@
           <a:bodyPr/>
           <a:lstStyle/>
           <a:p>
-            <a:endParaRPr lang="en-US" dirty="0" smtClean="0"/>
-          </a:p>
-          <a:p>
-            <a:r>
-              <a:rPr lang="en-US" dirty="0" smtClean="0"/>
+            <a:endParaRPr lang="en-US" dirty="0"/>
+          </a:p>
+          <a:p>
+            <a:r>
+              <a:rPr lang="en-US" dirty="0"/>
               <a:t>Frank A. </a:t>
             </a:r>
             <a:r>
-              <a:rPr lang="en-US" dirty="0" err="1" smtClean="0"/>
+              <a:rPr lang="en-US" dirty="0" err="1"/>
               <a:t>Kuse</a:t>
             </a:r>
             <a:endParaRPr lang="en-US" dirty="0"/>
@@ -3079,10 +3069,9 @@
           <a:lstStyle/>
           <a:p>
             <a:r>
-              <a:rPr lang="en-US" dirty="0" smtClean="0"/>
+              <a:rPr lang="en-US" dirty="0"/>
               <a:t>Protocol Overview </a:t>
             </a:r>
-            <a:endParaRPr lang="en-US" dirty="0"/>
           </a:p>
         </p:txBody>
       </p:sp>
@@ -3102,34 +3091,33 @@
           <a:lstStyle/>
           <a:p>
             <a:r>
-              <a:rPr lang="en-US" dirty="0" smtClean="0"/>
+              <a:rPr lang="en-US" dirty="0"/>
               <a:t>Client starts an LDAP session by connecting to an LDAP Server</a:t>
             </a:r>
           </a:p>
           <a:p>
             <a:r>
-              <a:rPr lang="en-US" dirty="0" smtClean="0"/>
+              <a:rPr lang="en-US" dirty="0"/>
               <a:t>The default TCP port is 389</a:t>
             </a:r>
           </a:p>
           <a:p>
             <a:r>
-              <a:rPr lang="en-US" dirty="0" smtClean="0"/>
+              <a:rPr lang="en-US" dirty="0"/>
               <a:t>Bind to the server through an authentication process</a:t>
             </a:r>
           </a:p>
           <a:p>
             <a:r>
-              <a:rPr lang="en-US" dirty="0" smtClean="0"/>
+              <a:rPr lang="en-US" dirty="0"/>
               <a:t>Client then sends an operation request to the server</a:t>
             </a:r>
           </a:p>
           <a:p>
             <a:r>
-              <a:rPr lang="en-US" dirty="0" smtClean="0"/>
+              <a:rPr lang="en-US" dirty="0"/>
               <a:t>The Server sends responses in return</a:t>
             </a:r>
-            <a:endParaRPr lang="en-US" dirty="0"/>
           </a:p>
         </p:txBody>
       </p:sp>
@@ -3143,13 +3131,6 @@
   <p:clrMapOvr>
     <a:masterClrMapping/>
   </p:clrMapOvr>
-  <p:timing>
-    <p:tnLst>
-      <p:par>
-        <p:cTn id="1" dur="indefinite" restart="never" nodeType="tmRoot"/>
-      </p:par>
-    </p:tnLst>
-  </p:timing>
 </p:sld>
 </file>
 
@@ -3186,10 +3167,9 @@
           <a:lstStyle/>
           <a:p>
             <a:r>
-              <a:rPr lang="en-US" dirty="0" smtClean="0"/>
+              <a:rPr lang="en-US" dirty="0"/>
               <a:t>LDAP Operations</a:t>
             </a:r>
-            <a:endParaRPr lang="en-US" dirty="0"/>
           </a:p>
         </p:txBody>
       </p:sp>
@@ -3229,13 +3209,6 @@
   <p:clrMapOvr>
     <a:masterClrMapping/>
   </p:clrMapOvr>
-  <p:timing>
-    <p:tnLst>
-      <p:par>
-        <p:cTn id="1" dur="indefinite" restart="never" nodeType="tmRoot"/>
-      </p:par>
-    </p:tnLst>
-  </p:timing>
 </p:sld>
 </file>
 
@@ -3272,97 +3245,95 @@
           <a:lstStyle/>
           <a:p>
             <a:r>
-              <a:rPr lang="en-US" dirty="0" smtClean="0"/>
+              <a:rPr lang="en-US" dirty="0"/>
               <a:t>LDAP Operation (</a:t>
             </a:r>
             <a:r>
-              <a:rPr lang="en-US" dirty="0" err="1" smtClean="0"/>
+              <a:rPr lang="en-US" dirty="0" err="1"/>
               <a:t>Cont</a:t>
             </a:r>
             <a:r>
-              <a:rPr lang="en-US" dirty="0" smtClean="0"/>
+              <a:rPr lang="en-US" dirty="0"/>
               <a:t>)</a:t>
             </a:r>
+          </a:p>
+        </p:txBody>
+      </p:sp>
+      <p:sp>
+        <p:nvSpPr>
+          <p:cNvPr id="3" name="Content Placeholder 2"/>
+          <p:cNvSpPr>
+            <a:spLocks noGrp="1"/>
+          </p:cNvSpPr>
+          <p:nvPr>
+            <p:ph idx="1"/>
+          </p:nvPr>
+        </p:nvSpPr>
+        <p:spPr/>
+        <p:txBody>
+          <a:bodyPr/>
+          <a:lstStyle/>
+          <a:p>
+            <a:r>
+              <a:rPr lang="en-US" dirty="0"/>
+              <a:t>Some useful LDAP operation commands are as below.</a:t>
+            </a:r>
+          </a:p>
+          <a:p>
+            <a:r>
+              <a:rPr lang="en-US" dirty="0" err="1"/>
+              <a:t>Ldapadd</a:t>
+            </a:r>
             <a:endParaRPr lang="en-US" dirty="0"/>
           </a:p>
-        </p:txBody>
-      </p:sp>
-      <p:sp>
-        <p:nvSpPr>
-          <p:cNvPr id="3" name="Content Placeholder 2"/>
-          <p:cNvSpPr>
-            <a:spLocks noGrp="1"/>
-          </p:cNvSpPr>
-          <p:nvPr>
-            <p:ph idx="1"/>
-          </p:nvPr>
-        </p:nvSpPr>
-        <p:spPr/>
-        <p:txBody>
-          <a:bodyPr/>
-          <a:lstStyle/>
-          <a:p>
-            <a:r>
-              <a:rPr lang="en-US" dirty="0" smtClean="0"/>
-              <a:t>Some useful LDAP operation commands are as below.</a:t>
+          <a:p>
+            <a:r>
+              <a:rPr lang="en-US" dirty="0" err="1"/>
+              <a:t>Ldapsearch</a:t>
             </a:r>
             <a:endParaRPr lang="en-US" dirty="0"/>
           </a:p>
           <a:p>
-            <a:r>
-              <a:rPr lang="en-US" dirty="0" err="1" smtClean="0"/>
-              <a:t>Ldapadd</a:t>
-            </a:r>
-            <a:endParaRPr lang="en-US" dirty="0" smtClean="0"/>
-          </a:p>
-          <a:p>
-            <a:r>
-              <a:rPr lang="en-US" dirty="0" err="1" smtClean="0"/>
-              <a:t>Ldapsearch</a:t>
-            </a:r>
-            <a:endParaRPr lang="en-US" dirty="0" smtClean="0"/>
-          </a:p>
-          <a:p>
-            <a:endParaRPr lang="en-US" dirty="0" smtClean="0"/>
-          </a:p>
-          <a:p>
-            <a:r>
-              <a:rPr lang="en-US" dirty="0" smtClean="0"/>
+            <a:endParaRPr lang="en-US" dirty="0"/>
+          </a:p>
+          <a:p>
+            <a:r>
+              <a:rPr lang="en-US" dirty="0"/>
               <a:t>Some useful link to see example of such operation are below</a:t>
             </a:r>
           </a:p>
           <a:p>
             <a:r>
-              <a:rPr lang="en-US" dirty="0" smtClean="0">
+              <a:rPr lang="en-US" dirty="0">
                 <a:hlinkClick r:id="rId2"/>
               </a:rPr>
               <a:t>http://www.kernel-panic.it/openbsd/pdc/pdc2.html</a:t>
             </a:r>
-            <a:endParaRPr lang="en-US" dirty="0" smtClean="0"/>
-          </a:p>
-          <a:p>
-            <a:r>
-              <a:rPr lang="en-US" dirty="0" smtClean="0">
+            <a:endParaRPr lang="en-US" dirty="0"/>
+          </a:p>
+          <a:p>
+            <a:r>
+              <a:rPr lang="en-US" dirty="0">
                 <a:hlinkClick r:id="rId3"/>
               </a:rPr>
               <a:t>http://www.my-tiny.net/Lab06_WebLDAP.htm</a:t>
             </a:r>
-            <a:endParaRPr lang="en-US" dirty="0" smtClean="0"/>
-          </a:p>
-          <a:p>
-            <a:r>
-              <a:rPr lang="en-US" dirty="0" smtClean="0">
+            <a:endParaRPr lang="en-US" dirty="0"/>
+          </a:p>
+          <a:p>
+            <a:r>
+              <a:rPr lang="en-US" dirty="0">
                 <a:hlinkClick r:id="rId4"/>
               </a:rPr>
               <a:t>http://himanshu.gilani.info/blog/2013/01/12/introduction-to-ldap/</a:t>
             </a:r>
-            <a:endParaRPr lang="en-US" dirty="0" smtClean="0"/>
-          </a:p>
-          <a:p>
-            <a:endParaRPr lang="en-US" dirty="0" smtClean="0"/>
-          </a:p>
-          <a:p>
-            <a:endParaRPr lang="en-US" dirty="0" smtClean="0"/>
+            <a:endParaRPr lang="en-US" dirty="0"/>
+          </a:p>
+          <a:p>
+            <a:endParaRPr lang="en-US" dirty="0"/>
+          </a:p>
+          <a:p>
+            <a:endParaRPr lang="en-US" dirty="0"/>
           </a:p>
         </p:txBody>
       </p:sp>
@@ -3412,7 +3383,7 @@
           <a:lstStyle/>
           <a:p>
             <a:r>
-              <a:rPr lang="en-US" b="1" dirty="0" smtClean="0"/>
+              <a:rPr lang="en-US" b="1" dirty="0"/>
               <a:t>Introduction to LDAP</a:t>
             </a:r>
             <a:endParaRPr lang="en-US" dirty="0"/>
@@ -3435,52 +3406,45 @@
           <a:lstStyle/>
           <a:p>
             <a:r>
-              <a:rPr lang="en-US" dirty="0" smtClean="0"/>
+              <a:rPr lang="en-US" dirty="0"/>
               <a:t>AGENDA</a:t>
             </a:r>
+          </a:p>
+          <a:p>
+            <a:r>
+              <a:rPr lang="en-US" dirty="0"/>
+              <a:t>Understanding LDAP</a:t>
+            </a:r>
+          </a:p>
+          <a:p>
+            <a:r>
+              <a:rPr lang="en-US" dirty="0"/>
+              <a:t>LDAP Servers</a:t>
+            </a:r>
+          </a:p>
+          <a:p>
+            <a:r>
+              <a:rPr lang="en-US" dirty="0"/>
+              <a:t>Information Structure</a:t>
+            </a:r>
+          </a:p>
+          <a:p>
+            <a:r>
+              <a:rPr lang="en-US" dirty="0"/>
+              <a:t>Protocol Overview</a:t>
+            </a:r>
+          </a:p>
+          <a:p>
+            <a:r>
+              <a:rPr lang="en-US" dirty="0"/>
+              <a:t>LDAP operations</a:t>
+            </a:r>
+          </a:p>
+          <a:p>
+            <a:pPr marL="0" indent="0">
+              <a:buNone/>
+            </a:pPr>
             <a:endParaRPr lang="en-US" dirty="0"/>
-          </a:p>
-          <a:p>
-            <a:r>
-              <a:rPr lang="en-US" dirty="0" smtClean="0"/>
-              <a:t>Understanding LDAP</a:t>
-            </a:r>
-          </a:p>
-          <a:p>
-            <a:r>
-              <a:rPr lang="en-US" dirty="0" smtClean="0"/>
-              <a:t>LDAP </a:t>
-            </a:r>
-            <a:r>
-              <a:rPr lang="en-US" dirty="0" smtClean="0"/>
-              <a:t>Servers</a:t>
-            </a:r>
-            <a:endParaRPr lang="en-US" dirty="0" smtClean="0"/>
-          </a:p>
-          <a:p>
-            <a:r>
-              <a:rPr lang="en-US" dirty="0" smtClean="0"/>
-              <a:t>Information Structure</a:t>
-            </a:r>
-          </a:p>
-          <a:p>
-            <a:r>
-              <a:rPr lang="en-US" dirty="0" smtClean="0"/>
-              <a:t>Protocol Overview</a:t>
-            </a:r>
-          </a:p>
-          <a:p>
-            <a:r>
-              <a:rPr lang="en-US" dirty="0" smtClean="0"/>
-              <a:t>LDAP operations</a:t>
-            </a:r>
-            <a:endParaRPr lang="en-US" dirty="0"/>
-          </a:p>
-          <a:p>
-            <a:pPr marL="0" indent="0">
-              <a:buNone/>
-            </a:pPr>
-            <a:endParaRPr lang="en-US" dirty="0" smtClean="0"/>
           </a:p>
         </p:txBody>
       </p:sp>
@@ -3530,7 +3494,7 @@
           <a:lstStyle/>
           <a:p>
             <a:r>
-              <a:rPr lang="en-US" b="1" dirty="0" smtClean="0"/>
+              <a:rPr lang="en-US" b="1" dirty="0"/>
               <a:t>UNDERSTANDING LDAP</a:t>
             </a:r>
             <a:endParaRPr lang="en-US" dirty="0"/>
@@ -3555,29 +3519,29 @@
             <a:pPr marL="0" indent="0">
               <a:buNone/>
             </a:pPr>
-            <a:endParaRPr lang="en-US" dirty="0" smtClean="0"/>
-          </a:p>
-          <a:p>
-            <a:r>
-              <a:rPr lang="en-US" dirty="0" smtClean="0"/>
+            <a:endParaRPr lang="en-US" dirty="0"/>
+          </a:p>
+          <a:p>
+            <a:r>
+              <a:rPr lang="en-US" dirty="0"/>
               <a:t>LDAP stands for Lightweight Directory Access Protocol.</a:t>
             </a:r>
           </a:p>
           <a:p>
             <a:r>
-              <a:rPr lang="en-US" dirty="0" smtClean="0"/>
+              <a:rPr lang="en-US" dirty="0"/>
               <a:t> It is an internet protocol for accessing distributed directory services.</a:t>
             </a:r>
           </a:p>
           <a:p>
             <a:r>
-              <a:rPr lang="en-US" dirty="0" smtClean="0"/>
+              <a:rPr lang="en-US" dirty="0"/>
               <a:t>It uses the TCP/IP protocols for its operations</a:t>
             </a:r>
           </a:p>
           <a:p>
             <a:r>
-              <a:rPr lang="en-US" dirty="0" smtClean="0"/>
+              <a:rPr lang="en-US" dirty="0"/>
               <a:t>It also forms the standard for allowing directories to be managed.</a:t>
             </a:r>
           </a:p>
@@ -3635,80 +3599,79 @@
           <a:lstStyle/>
           <a:p>
             <a:r>
-              <a:rPr lang="en-US" dirty="0" smtClean="0"/>
+              <a:rPr lang="en-US" dirty="0"/>
               <a:t>LDAP Servers </a:t>
             </a:r>
+          </a:p>
+        </p:txBody>
+      </p:sp>
+      <p:sp>
+        <p:nvSpPr>
+          <p:cNvPr id="3" name="Content Placeholder 2"/>
+          <p:cNvSpPr>
+            <a:spLocks noGrp="1"/>
+          </p:cNvSpPr>
+          <p:nvPr>
+            <p:ph idx="1"/>
+          </p:nvPr>
+        </p:nvSpPr>
+        <p:spPr/>
+        <p:txBody>
+          <a:bodyPr/>
+          <a:lstStyle/>
+          <a:p>
+            <a:r>
+              <a:rPr lang="en-US" dirty="0" err="1"/>
+              <a:t>OpenLDAP</a:t>
+            </a:r>
             <a:endParaRPr lang="en-US" dirty="0"/>
           </a:p>
-        </p:txBody>
-      </p:sp>
-      <p:sp>
-        <p:nvSpPr>
-          <p:cNvPr id="3" name="Content Placeholder 2"/>
-          <p:cNvSpPr>
-            <a:spLocks noGrp="1"/>
-          </p:cNvSpPr>
-          <p:nvPr>
-            <p:ph idx="1"/>
-          </p:nvPr>
-        </p:nvSpPr>
-        <p:spPr/>
-        <p:txBody>
-          <a:bodyPr/>
-          <a:lstStyle/>
-          <a:p>
-            <a:r>
-              <a:rPr lang="en-US" dirty="0" err="1" smtClean="0"/>
-              <a:t>OpenLDAP</a:t>
-            </a:r>
-            <a:endParaRPr lang="en-US" dirty="0" smtClean="0"/>
-          </a:p>
-          <a:p>
-            <a:r>
-              <a:rPr lang="en-US" dirty="0" smtClean="0"/>
+          <a:p>
+            <a:r>
+              <a:rPr lang="en-US" dirty="0"/>
               <a:t>Active directory</a:t>
             </a:r>
           </a:p>
           <a:p>
             <a:r>
-              <a:rPr lang="en-US" dirty="0" smtClean="0"/>
+              <a:rPr lang="en-US" dirty="0"/>
               <a:t>Apache Directory Server</a:t>
             </a:r>
           </a:p>
           <a:p>
             <a:r>
-              <a:rPr lang="en-US" dirty="0" err="1" smtClean="0"/>
+              <a:rPr lang="en-US" dirty="0" err="1"/>
               <a:t>FreeIPA</a:t>
             </a:r>
-            <a:endParaRPr lang="en-US" dirty="0" smtClean="0"/>
-          </a:p>
-          <a:p>
-            <a:r>
-              <a:rPr lang="en-US" dirty="0" err="1" smtClean="0"/>
+            <a:endParaRPr lang="en-US" dirty="0"/>
+          </a:p>
+          <a:p>
+            <a:r>
+              <a:rPr lang="en-US" dirty="0" err="1"/>
               <a:t>OpenDS</a:t>
             </a:r>
-            <a:endParaRPr lang="en-US" dirty="0" smtClean="0"/>
-          </a:p>
-          <a:p>
-            <a:r>
-              <a:rPr lang="en-US" dirty="0" smtClean="0"/>
+            <a:endParaRPr lang="en-US" dirty="0"/>
+          </a:p>
+          <a:p>
+            <a:r>
+              <a:rPr lang="en-US" dirty="0"/>
               <a:t>Novell </a:t>
             </a:r>
             <a:r>
-              <a:rPr lang="en-US" dirty="0" err="1" smtClean="0"/>
+              <a:rPr lang="en-US" dirty="0" err="1"/>
               <a:t>eDirectory</a:t>
             </a:r>
-            <a:endParaRPr lang="en-US" dirty="0" smtClean="0"/>
-          </a:p>
-          <a:p>
-            <a:r>
-              <a:rPr lang="en-US" dirty="0" smtClean="0"/>
+            <a:endParaRPr lang="en-US" dirty="0"/>
+          </a:p>
+          <a:p>
+            <a:r>
+              <a:rPr lang="en-US" dirty="0"/>
               <a:t>Sun Java System Directory Server</a:t>
             </a:r>
           </a:p>
           <a:p>
             <a:r>
-              <a:rPr lang="en-US" dirty="0" smtClean="0"/>
+              <a:rPr lang="en-US" dirty="0"/>
               <a:t>IBM Tivoli Directory Server</a:t>
             </a:r>
           </a:p>
@@ -3727,13 +3690,6 @@
   <p:clrMapOvr>
     <a:masterClrMapping/>
   </p:clrMapOvr>
-  <p:timing>
-    <p:tnLst>
-      <p:par>
-        <p:cTn id="1" dur="indefinite" restart="never" nodeType="tmRoot"/>
-      </p:par>
-    </p:tnLst>
-  </p:timing>
 </p:sld>
 </file>
 
@@ -3770,41 +3726,40 @@
           <a:lstStyle/>
           <a:p>
             <a:r>
-              <a:rPr lang="en-US" dirty="0" smtClean="0"/>
+              <a:rPr lang="en-US" dirty="0"/>
               <a:t>Information Structure</a:t>
             </a:r>
+          </a:p>
+        </p:txBody>
+      </p:sp>
+      <p:sp>
+        <p:nvSpPr>
+          <p:cNvPr id="3" name="Content Placeholder 2"/>
+          <p:cNvSpPr>
+            <a:spLocks noGrp="1"/>
+          </p:cNvSpPr>
+          <p:nvPr>
+            <p:ph idx="1"/>
+          </p:nvPr>
+        </p:nvSpPr>
+        <p:spPr/>
+        <p:txBody>
+          <a:bodyPr/>
+          <a:lstStyle/>
+          <a:p>
+            <a:r>
+              <a:rPr lang="en-US" dirty="0"/>
+              <a:t>It has a DIT ( Directory Information Tree) which help present information in the hierarchical tree format </a:t>
+            </a:r>
+          </a:p>
+          <a:p>
+            <a:r>
+              <a:rPr lang="en-US" dirty="0"/>
+              <a:t>Example of a  DIT is as below.</a:t>
+            </a:r>
+          </a:p>
+          <a:p>
             <a:endParaRPr lang="en-US" dirty="0"/>
-          </a:p>
-        </p:txBody>
-      </p:sp>
-      <p:sp>
-        <p:nvSpPr>
-          <p:cNvPr id="3" name="Content Placeholder 2"/>
-          <p:cNvSpPr>
-            <a:spLocks noGrp="1"/>
-          </p:cNvSpPr>
-          <p:nvPr>
-            <p:ph idx="1"/>
-          </p:nvPr>
-        </p:nvSpPr>
-        <p:spPr/>
-        <p:txBody>
-          <a:bodyPr/>
-          <a:lstStyle/>
-          <a:p>
-            <a:r>
-              <a:rPr lang="en-US" dirty="0" smtClean="0"/>
-              <a:t>It has a DIT ( Directory Information Tree) which help present information in the hierarchical tree format </a:t>
-            </a:r>
-          </a:p>
-          <a:p>
-            <a:r>
-              <a:rPr lang="en-US" dirty="0" smtClean="0"/>
-              <a:t>Example of a  DIT is as below.</a:t>
-            </a:r>
-          </a:p>
-          <a:p>
-            <a:endParaRPr lang="en-US" dirty="0" smtClean="0"/>
           </a:p>
           <a:p>
             <a:endParaRPr lang="en-US" dirty="0"/>
@@ -3845,13 +3800,6 @@
   <p:clrMapOvr>
     <a:masterClrMapping/>
   </p:clrMapOvr>
-  <p:timing>
-    <p:tnLst>
-      <p:par>
-        <p:cTn id="1" dur="indefinite" restart="never" nodeType="tmRoot"/>
-      </p:par>
-    </p:tnLst>
-  </p:timing>
 </p:sld>
 </file>
 
@@ -3888,18 +3836,17 @@
           <a:lstStyle/>
           <a:p>
             <a:r>
-              <a:rPr lang="en-US" dirty="0" smtClean="0"/>
+              <a:rPr lang="en-US" dirty="0"/>
               <a:t>Information Structure (</a:t>
             </a:r>
             <a:r>
-              <a:rPr lang="en-US" dirty="0" err="1" smtClean="0"/>
+              <a:rPr lang="en-US" dirty="0" err="1"/>
               <a:t>Cont</a:t>
             </a:r>
             <a:r>
-              <a:rPr lang="en-US" dirty="0" smtClean="0"/>
+              <a:rPr lang="en-US" dirty="0"/>
               <a:t>)</a:t>
             </a:r>
-            <a:endParaRPr lang="en-US" dirty="0"/>
           </a:p>
         </p:txBody>
       </p:sp>
@@ -3919,13 +3866,13 @@
           <a:lstStyle/>
           <a:p>
             <a:r>
-              <a:rPr lang="en-US" dirty="0" smtClean="0"/>
+              <a:rPr lang="en-US" dirty="0"/>
               <a:t>Each node in the LDAP tree is called an entry and is uniquely identified by its Distinguished Name (DN) </a:t>
             </a:r>
           </a:p>
           <a:p>
             <a:r>
-              <a:rPr lang="en-US" dirty="0" smtClean="0"/>
+              <a:rPr lang="en-US" dirty="0"/>
               <a:t>For instance, the DN of the entry highlighted in the following picture below.</a:t>
             </a:r>
           </a:p>
@@ -4004,18 +3951,17 @@
           <a:lstStyle/>
           <a:p>
             <a:r>
-              <a:rPr lang="en-US" dirty="0" smtClean="0"/>
+              <a:rPr lang="en-US" dirty="0"/>
               <a:t>Information Structure (</a:t>
             </a:r>
             <a:r>
-              <a:rPr lang="en-US" dirty="0" err="1" smtClean="0"/>
+              <a:rPr lang="en-US" dirty="0" err="1"/>
               <a:t>Cont</a:t>
             </a:r>
             <a:r>
-              <a:rPr lang="en-US" dirty="0" smtClean="0"/>
+              <a:rPr lang="en-US" dirty="0"/>
               <a:t>)</a:t>
             </a:r>
-            <a:endParaRPr lang="en-US" dirty="0"/>
           </a:p>
         </p:txBody>
       </p:sp>
@@ -4035,98 +3981,97 @@
           <a:lstStyle/>
           <a:p>
             <a:r>
-              <a:rPr lang="en-US" dirty="0" smtClean="0"/>
+              <a:rPr lang="en-US" dirty="0"/>
               <a:t>The DN for the above tree can then be written as below</a:t>
             </a:r>
           </a:p>
           <a:p>
             <a:r>
-              <a:rPr lang="en-US" dirty="0" smtClean="0"/>
+              <a:rPr lang="en-US" dirty="0"/>
               <a:t>“</a:t>
             </a:r>
             <a:r>
-              <a:rPr lang="en-US" dirty="0" err="1" smtClean="0"/>
+              <a:rPr lang="en-US" dirty="0" err="1"/>
               <a:t>ui</a:t>
             </a:r>
             <a:r>
-              <a:rPr lang="en-US" dirty="0" smtClean="0"/>
+              <a:rPr lang="en-US" dirty="0"/>
               <a:t>=</a:t>
             </a:r>
             <a:r>
-              <a:rPr lang="en-US" dirty="0" err="1" smtClean="0"/>
+              <a:rPr lang="en-US" dirty="0" err="1"/>
               <a:t>Danix,ou</a:t>
             </a:r>
             <a:r>
-              <a:rPr lang="en-US" dirty="0" smtClean="0"/>
+              <a:rPr lang="en-US" dirty="0"/>
               <a:t>=</a:t>
             </a:r>
             <a:r>
-              <a:rPr lang="en-US" dirty="0" err="1" smtClean="0"/>
+              <a:rPr lang="en-US" dirty="0" err="1"/>
               <a:t>Users,dc</a:t>
             </a:r>
             <a:r>
-              <a:rPr lang="en-US" dirty="0" smtClean="0"/>
+              <a:rPr lang="en-US" dirty="0"/>
               <a:t>=kernel-</a:t>
             </a:r>
             <a:r>
-              <a:rPr lang="en-US" dirty="0" err="1" smtClean="0"/>
+              <a:rPr lang="en-US" dirty="0" err="1"/>
               <a:t>panic,dc</a:t>
             </a:r>
             <a:r>
-              <a:rPr lang="en-US" dirty="0" smtClean="0"/>
+              <a:rPr lang="en-US" dirty="0"/>
               <a:t>=it”  See RFC4514 for full description of the DN format.</a:t>
             </a:r>
           </a:p>
           <a:p>
             <a:r>
-              <a:rPr lang="en-US" dirty="0" smtClean="0"/>
+              <a:rPr lang="en-US" dirty="0"/>
               <a:t>An entry consists of a set of attributes, each attribute has a name or type and one or more values.</a:t>
             </a:r>
           </a:p>
           <a:p>
             <a:r>
-              <a:rPr lang="en-US" dirty="0" smtClean="0"/>
+              <a:rPr lang="en-US" dirty="0"/>
               <a:t>“dc” stands for Domain Component </a:t>
             </a:r>
           </a:p>
           <a:p>
             <a:r>
-              <a:rPr lang="en-US" dirty="0" smtClean="0"/>
+              <a:rPr lang="en-US" dirty="0"/>
               <a:t>“</a:t>
             </a:r>
             <a:r>
-              <a:rPr lang="en-US" dirty="0" err="1" smtClean="0"/>
+              <a:rPr lang="en-US" dirty="0" err="1"/>
               <a:t>cn</a:t>
             </a:r>
             <a:r>
-              <a:rPr lang="en-US" dirty="0" smtClean="0"/>
+              <a:rPr lang="en-US" dirty="0"/>
               <a:t>” stands for Common Name</a:t>
             </a:r>
           </a:p>
           <a:p>
             <a:r>
-              <a:rPr lang="en-US" dirty="0" err="1" smtClean="0"/>
+              <a:rPr lang="en-US" dirty="0" err="1"/>
               <a:t>Objectclasses</a:t>
             </a:r>
             <a:r>
-              <a:rPr lang="en-US" dirty="0" smtClean="0"/>
+              <a:rPr lang="en-US" dirty="0"/>
               <a:t> define the attribute structure of an LDAP entry.</a:t>
             </a:r>
           </a:p>
           <a:p>
             <a:r>
-              <a:rPr lang="en-US" dirty="0" smtClean="0"/>
+              <a:rPr lang="en-US" dirty="0"/>
               <a:t>Both </a:t>
             </a:r>
             <a:r>
-              <a:rPr lang="en-US" dirty="0" err="1" smtClean="0"/>
+              <a:rPr lang="en-US" dirty="0" err="1"/>
               <a:t>ObjectClasses</a:t>
             </a:r>
             <a:r>
-              <a:rPr lang="en-US" dirty="0" smtClean="0"/>
+              <a:rPr lang="en-US" dirty="0"/>
               <a:t> and Attributes are defined within schemas </a:t>
             </a:r>
-            <a:endParaRPr lang="en-US" dirty="0"/>
           </a:p>
         </p:txBody>
       </p:sp>
@@ -4176,18 +4121,17 @@
           <a:lstStyle/>
           <a:p>
             <a:r>
-              <a:rPr lang="en-US" dirty="0" smtClean="0"/>
+              <a:rPr lang="en-US" dirty="0"/>
               <a:t>Information Structure (</a:t>
             </a:r>
             <a:r>
-              <a:rPr lang="en-US" dirty="0" err="1" smtClean="0"/>
+              <a:rPr lang="en-US" dirty="0" err="1"/>
               <a:t>Cont</a:t>
             </a:r>
             <a:r>
-              <a:rPr lang="en-US" dirty="0" smtClean="0"/>
+              <a:rPr lang="en-US" dirty="0"/>
               <a:t>)</a:t>
             </a:r>
-            <a:endParaRPr lang="en-US" dirty="0"/>
           </a:p>
         </p:txBody>
       </p:sp>
@@ -4209,64 +4153,64 @@
           <a:lstStyle/>
           <a:p>
             <a:r>
-              <a:rPr lang="en-US" dirty="0" smtClean="0"/>
+              <a:rPr lang="en-US" dirty="0"/>
               <a:t>O stands for organization</a:t>
             </a:r>
           </a:p>
           <a:p>
             <a:r>
-              <a:rPr lang="en-US" dirty="0" smtClean="0"/>
+              <a:rPr lang="en-US" dirty="0"/>
               <a:t>OU stands for Organizational unit</a:t>
             </a:r>
           </a:p>
           <a:p>
             <a:r>
-              <a:rPr lang="en-US" dirty="0" smtClean="0"/>
+              <a:rPr lang="en-US" dirty="0"/>
               <a:t>SN  stands for Surname</a:t>
             </a:r>
           </a:p>
           <a:p>
             <a:r>
-              <a:rPr lang="en-US" dirty="0" err="1" smtClean="0"/>
+              <a:rPr lang="en-US" dirty="0" err="1"/>
               <a:t>Givenname</a:t>
             </a:r>
             <a:r>
-              <a:rPr lang="en-US" dirty="0" smtClean="0"/>
+              <a:rPr lang="en-US" dirty="0"/>
               <a:t> stands for First Name</a:t>
             </a:r>
           </a:p>
           <a:p>
             <a:r>
-              <a:rPr lang="en-US" dirty="0" smtClean="0"/>
+              <a:rPr lang="en-US" dirty="0"/>
               <a:t>UID stands for </a:t>
             </a:r>
             <a:r>
-              <a:rPr lang="en-US" dirty="0" err="1" smtClean="0"/>
+              <a:rPr lang="en-US" dirty="0" err="1"/>
               <a:t>Userid</a:t>
             </a:r>
-            <a:endParaRPr lang="en-US" dirty="0" smtClean="0"/>
-          </a:p>
-          <a:p>
-            <a:r>
-              <a:rPr lang="en-US" dirty="0" smtClean="0"/>
+            <a:endParaRPr lang="en-US" dirty="0"/>
+          </a:p>
+          <a:p>
+            <a:r>
+              <a:rPr lang="en-US" dirty="0"/>
               <a:t>Mail stands for Email address</a:t>
             </a:r>
           </a:p>
           <a:p>
             <a:r>
-              <a:rPr lang="en-US" dirty="0" smtClean="0"/>
+              <a:rPr lang="en-US" dirty="0"/>
               <a:t>C stands for country</a:t>
             </a:r>
           </a:p>
           <a:p>
             <a:r>
-              <a:rPr lang="en-US" dirty="0" smtClean="0"/>
+              <a:rPr lang="en-US" dirty="0"/>
               <a:t>L stands for location</a:t>
             </a:r>
           </a:p>
           <a:p>
             <a:r>
-              <a:rPr lang="en-US" dirty="0" smtClean="0"/>
+              <a:rPr lang="en-US" dirty="0"/>
               <a:t>St stands for Status</a:t>
             </a:r>
           </a:p>
@@ -4321,18 +4265,17 @@
           <a:lstStyle/>
           <a:p>
             <a:r>
-              <a:rPr lang="en-US" dirty="0" smtClean="0"/>
+              <a:rPr lang="en-US" dirty="0"/>
               <a:t>Information Structure (</a:t>
             </a:r>
             <a:r>
-              <a:rPr lang="en-US" dirty="0" err="1" smtClean="0"/>
+              <a:rPr lang="en-US" dirty="0" err="1"/>
               <a:t>Cont</a:t>
             </a:r>
             <a:r>
-              <a:rPr lang="en-US" dirty="0" smtClean="0"/>
+              <a:rPr lang="en-US" dirty="0"/>
               <a:t>)</a:t>
             </a:r>
-            <a:endParaRPr lang="en-US" dirty="0"/>
           </a:p>
         </p:txBody>
       </p:sp>
@@ -4352,7 +4295,7 @@
           <a:lstStyle/>
           <a:p>
             <a:r>
-              <a:rPr lang="en-US" dirty="0" smtClean="0"/>
+              <a:rPr lang="en-US" dirty="0"/>
               <a:t>Entries can be represented in a human-readable format by using the LDIF format as in example below.</a:t>
             </a:r>
           </a:p>
